--- a/ppt 16-9/0561.求神鉴察.pptx
+++ b/ppt 16-9/0561.求神鉴察.pptx
@@ -129,7 +129,7 @@
           <p:cNvPr id="2" name="标题 1">
             <a:extLst>
               <a:ext uri="{FF2B5EF4-FFF2-40B4-BE49-F238E27FC236}">
-                <a16:creationId xmlns:a16="http://schemas.microsoft.com/office/drawing/2014/main" id="{BB6708A1-A85E-A32C-671D-B1B5612AE957}"/>
+                <a16:creationId xmlns:a16="http://schemas.microsoft.com/office/drawing/2014/main" id="{50647A14-21C6-07C3-44D2-D16567D9D977}"/>
               </a:ext>
             </a:extLst>
           </p:cNvPr>
@@ -166,7 +166,7 @@
           <p:cNvPr id="3" name="副标题 2">
             <a:extLst>
               <a:ext uri="{FF2B5EF4-FFF2-40B4-BE49-F238E27FC236}">
-                <a16:creationId xmlns:a16="http://schemas.microsoft.com/office/drawing/2014/main" id="{1B11E232-DF99-F212-216A-70425C7FA09B}"/>
+                <a16:creationId xmlns:a16="http://schemas.microsoft.com/office/drawing/2014/main" id="{F143BC80-E509-9B17-D05C-2E3B469D5460}"/>
               </a:ext>
             </a:extLst>
           </p:cNvPr>
@@ -236,7 +236,7 @@
           <p:cNvPr id="4" name="日期占位符 3">
             <a:extLst>
               <a:ext uri="{FF2B5EF4-FFF2-40B4-BE49-F238E27FC236}">
-                <a16:creationId xmlns:a16="http://schemas.microsoft.com/office/drawing/2014/main" id="{9DCC76EA-AA7A-273D-CC7C-4C8A34BD83D9}"/>
+                <a16:creationId xmlns:a16="http://schemas.microsoft.com/office/drawing/2014/main" id="{87FBBD7D-D69B-966A-1CA6-E014CEF10D10}"/>
               </a:ext>
             </a:extLst>
           </p:cNvPr>
@@ -252,7 +252,7 @@
           <a:bodyPr/>
           <a:lstStyle/>
           <a:p>
-            <a:fld id="{2EEE26E3-CDBE-4A7E-A33F-2DE5F2B49E56}" type="datetimeFigureOut">
+            <a:fld id="{D8BAE4EB-6E6D-44D1-B6EA-93863C5AE77F}" type="datetimeFigureOut">
               <a:rPr lang="zh-CN" altLang="en-US" smtClean="0"/>
               <a:t>2024/3/10</a:t>
             </a:fld>
@@ -265,7 +265,7 @@
           <p:cNvPr id="5" name="页脚占位符 4">
             <a:extLst>
               <a:ext uri="{FF2B5EF4-FFF2-40B4-BE49-F238E27FC236}">
-                <a16:creationId xmlns:a16="http://schemas.microsoft.com/office/drawing/2014/main" id="{3F90C555-A7C9-723F-44EA-796C48A9AFEC}"/>
+                <a16:creationId xmlns:a16="http://schemas.microsoft.com/office/drawing/2014/main" id="{AC13DD4F-A832-2C59-EFD5-0B9E7D083939}"/>
               </a:ext>
             </a:extLst>
           </p:cNvPr>
@@ -290,7 +290,7 @@
           <p:cNvPr id="6" name="灯片编号占位符 5">
             <a:extLst>
               <a:ext uri="{FF2B5EF4-FFF2-40B4-BE49-F238E27FC236}">
-                <a16:creationId xmlns:a16="http://schemas.microsoft.com/office/drawing/2014/main" id="{840C2AB6-6464-73EA-F2C0-E34C13FC7B77}"/>
+                <a16:creationId xmlns:a16="http://schemas.microsoft.com/office/drawing/2014/main" id="{FE715BEE-2253-DC6E-1C79-06596C79BFC0}"/>
               </a:ext>
             </a:extLst>
           </p:cNvPr>
@@ -306,7 +306,7 @@
           <a:bodyPr/>
           <a:lstStyle/>
           <a:p>
-            <a:fld id="{11A9916A-2A61-447A-9246-6EFF26B3AE4B}" type="slidenum">
+            <a:fld id="{4E68B19B-3B1A-4166-AC28-CFBB4E3E65AA}" type="slidenum">
               <a:rPr lang="zh-CN" altLang="en-US" smtClean="0"/>
               <a:t>‹#›</a:t>
             </a:fld>
@@ -317,7 +317,7 @@
     </p:spTree>
     <p:extLst>
       <p:ext uri="{BB962C8B-B14F-4D97-AF65-F5344CB8AC3E}">
-        <p14:creationId xmlns:p14="http://schemas.microsoft.com/office/powerpoint/2010/main" val="3781556429"/>
+        <p14:creationId xmlns:p14="http://schemas.microsoft.com/office/powerpoint/2010/main" val="2294682569"/>
       </p:ext>
     </p:extLst>
   </p:cSld>
@@ -349,7 +349,7 @@
           <p:cNvPr id="2" name="标题 1">
             <a:extLst>
               <a:ext uri="{FF2B5EF4-FFF2-40B4-BE49-F238E27FC236}">
-                <a16:creationId xmlns:a16="http://schemas.microsoft.com/office/drawing/2014/main" id="{F9CF675D-6DD3-FBC4-7866-29143FEA8489}"/>
+                <a16:creationId xmlns:a16="http://schemas.microsoft.com/office/drawing/2014/main" id="{197CD153-F19A-5C7D-4F2F-F8FAAE93BEB0}"/>
               </a:ext>
             </a:extLst>
           </p:cNvPr>
@@ -377,7 +377,7 @@
           <p:cNvPr id="3" name="竖排文字占位符 2">
             <a:extLst>
               <a:ext uri="{FF2B5EF4-FFF2-40B4-BE49-F238E27FC236}">
-                <a16:creationId xmlns:a16="http://schemas.microsoft.com/office/drawing/2014/main" id="{6B02AE42-5D73-50BE-BB65-0162BEC619CC}"/>
+                <a16:creationId xmlns:a16="http://schemas.microsoft.com/office/drawing/2014/main" id="{56AE2FB7-FCF6-CE08-7A5E-2647CAA0853B}"/>
               </a:ext>
             </a:extLst>
           </p:cNvPr>
@@ -434,7 +434,7 @@
           <p:cNvPr id="4" name="日期占位符 3">
             <a:extLst>
               <a:ext uri="{FF2B5EF4-FFF2-40B4-BE49-F238E27FC236}">
-                <a16:creationId xmlns:a16="http://schemas.microsoft.com/office/drawing/2014/main" id="{921FA057-0018-923A-1ED0-9C3C2D2E8BFC}"/>
+                <a16:creationId xmlns:a16="http://schemas.microsoft.com/office/drawing/2014/main" id="{E9D9BCBE-1F41-659E-3C7C-DC9760D2282F}"/>
               </a:ext>
             </a:extLst>
           </p:cNvPr>
@@ -450,7 +450,7 @@
           <a:bodyPr/>
           <a:lstStyle/>
           <a:p>
-            <a:fld id="{2EEE26E3-CDBE-4A7E-A33F-2DE5F2B49E56}" type="datetimeFigureOut">
+            <a:fld id="{D8BAE4EB-6E6D-44D1-B6EA-93863C5AE77F}" type="datetimeFigureOut">
               <a:rPr lang="zh-CN" altLang="en-US" smtClean="0"/>
               <a:t>2024/3/10</a:t>
             </a:fld>
@@ -463,7 +463,7 @@
           <p:cNvPr id="5" name="页脚占位符 4">
             <a:extLst>
               <a:ext uri="{FF2B5EF4-FFF2-40B4-BE49-F238E27FC236}">
-                <a16:creationId xmlns:a16="http://schemas.microsoft.com/office/drawing/2014/main" id="{C08384E4-E4FD-E213-3865-B75E3985EE8F}"/>
+                <a16:creationId xmlns:a16="http://schemas.microsoft.com/office/drawing/2014/main" id="{C41214E1-1EE6-1296-B672-457631E2C004}"/>
               </a:ext>
             </a:extLst>
           </p:cNvPr>
@@ -488,7 +488,7 @@
           <p:cNvPr id="6" name="灯片编号占位符 5">
             <a:extLst>
               <a:ext uri="{FF2B5EF4-FFF2-40B4-BE49-F238E27FC236}">
-                <a16:creationId xmlns:a16="http://schemas.microsoft.com/office/drawing/2014/main" id="{A62126C4-4B45-8279-5286-85A4899A234B}"/>
+                <a16:creationId xmlns:a16="http://schemas.microsoft.com/office/drawing/2014/main" id="{4C001233-06B2-DB54-7F60-07CACEEE6D6B}"/>
               </a:ext>
             </a:extLst>
           </p:cNvPr>
@@ -504,7 +504,7 @@
           <a:bodyPr/>
           <a:lstStyle/>
           <a:p>
-            <a:fld id="{11A9916A-2A61-447A-9246-6EFF26B3AE4B}" type="slidenum">
+            <a:fld id="{4E68B19B-3B1A-4166-AC28-CFBB4E3E65AA}" type="slidenum">
               <a:rPr lang="zh-CN" altLang="en-US" smtClean="0"/>
               <a:t>‹#›</a:t>
             </a:fld>
@@ -515,7 +515,7 @@
     </p:spTree>
     <p:extLst>
       <p:ext uri="{BB962C8B-B14F-4D97-AF65-F5344CB8AC3E}">
-        <p14:creationId xmlns:p14="http://schemas.microsoft.com/office/powerpoint/2010/main" val="500034600"/>
+        <p14:creationId xmlns:p14="http://schemas.microsoft.com/office/powerpoint/2010/main" val="2990744105"/>
       </p:ext>
     </p:extLst>
   </p:cSld>
@@ -547,7 +547,7 @@
           <p:cNvPr id="2" name="竖排标题 1">
             <a:extLst>
               <a:ext uri="{FF2B5EF4-FFF2-40B4-BE49-F238E27FC236}">
-                <a16:creationId xmlns:a16="http://schemas.microsoft.com/office/drawing/2014/main" id="{947D0405-36D4-F16F-4E73-98EA2248B478}"/>
+                <a16:creationId xmlns:a16="http://schemas.microsoft.com/office/drawing/2014/main" id="{860B0F2B-529F-2AEF-FFE4-69A7B4B0369E}"/>
               </a:ext>
             </a:extLst>
           </p:cNvPr>
@@ -580,7 +580,7 @@
           <p:cNvPr id="3" name="竖排文字占位符 2">
             <a:extLst>
               <a:ext uri="{FF2B5EF4-FFF2-40B4-BE49-F238E27FC236}">
-                <a16:creationId xmlns:a16="http://schemas.microsoft.com/office/drawing/2014/main" id="{7219A027-C76D-D790-4091-A99D281AAFD2}"/>
+                <a16:creationId xmlns:a16="http://schemas.microsoft.com/office/drawing/2014/main" id="{EF648376-110B-5827-BFE2-F9000942387B}"/>
               </a:ext>
             </a:extLst>
           </p:cNvPr>
@@ -642,7 +642,7 @@
           <p:cNvPr id="4" name="日期占位符 3">
             <a:extLst>
               <a:ext uri="{FF2B5EF4-FFF2-40B4-BE49-F238E27FC236}">
-                <a16:creationId xmlns:a16="http://schemas.microsoft.com/office/drawing/2014/main" id="{F5D88CC9-C163-9F3D-C331-F33AAB7865BE}"/>
+                <a16:creationId xmlns:a16="http://schemas.microsoft.com/office/drawing/2014/main" id="{4A640812-7E70-D506-A596-AFB6FCF2B0AB}"/>
               </a:ext>
             </a:extLst>
           </p:cNvPr>
@@ -658,7 +658,7 @@
           <a:bodyPr/>
           <a:lstStyle/>
           <a:p>
-            <a:fld id="{2EEE26E3-CDBE-4A7E-A33F-2DE5F2B49E56}" type="datetimeFigureOut">
+            <a:fld id="{D8BAE4EB-6E6D-44D1-B6EA-93863C5AE77F}" type="datetimeFigureOut">
               <a:rPr lang="zh-CN" altLang="en-US" smtClean="0"/>
               <a:t>2024/3/10</a:t>
             </a:fld>
@@ -671,7 +671,7 @@
           <p:cNvPr id="5" name="页脚占位符 4">
             <a:extLst>
               <a:ext uri="{FF2B5EF4-FFF2-40B4-BE49-F238E27FC236}">
-                <a16:creationId xmlns:a16="http://schemas.microsoft.com/office/drawing/2014/main" id="{CA22C23F-D67D-CB75-46DD-6F34F931A58B}"/>
+                <a16:creationId xmlns:a16="http://schemas.microsoft.com/office/drawing/2014/main" id="{B043BCCB-5D9B-AF83-062F-B6BB707AF973}"/>
               </a:ext>
             </a:extLst>
           </p:cNvPr>
@@ -696,7 +696,7 @@
           <p:cNvPr id="6" name="灯片编号占位符 5">
             <a:extLst>
               <a:ext uri="{FF2B5EF4-FFF2-40B4-BE49-F238E27FC236}">
-                <a16:creationId xmlns:a16="http://schemas.microsoft.com/office/drawing/2014/main" id="{0829DAB9-E23A-DF2B-8800-67E0301F7527}"/>
+                <a16:creationId xmlns:a16="http://schemas.microsoft.com/office/drawing/2014/main" id="{EAF1E8D6-97AF-6949-D77D-9B08EDFF4B79}"/>
               </a:ext>
             </a:extLst>
           </p:cNvPr>
@@ -712,7 +712,7 @@
           <a:bodyPr/>
           <a:lstStyle/>
           <a:p>
-            <a:fld id="{11A9916A-2A61-447A-9246-6EFF26B3AE4B}" type="slidenum">
+            <a:fld id="{4E68B19B-3B1A-4166-AC28-CFBB4E3E65AA}" type="slidenum">
               <a:rPr lang="zh-CN" altLang="en-US" smtClean="0"/>
               <a:t>‹#›</a:t>
             </a:fld>
@@ -723,7 +723,7 @@
     </p:spTree>
     <p:extLst>
       <p:ext uri="{BB962C8B-B14F-4D97-AF65-F5344CB8AC3E}">
-        <p14:creationId xmlns:p14="http://schemas.microsoft.com/office/powerpoint/2010/main" val="2015486538"/>
+        <p14:creationId xmlns:p14="http://schemas.microsoft.com/office/powerpoint/2010/main" val="1805657641"/>
       </p:ext>
     </p:extLst>
   </p:cSld>
@@ -755,7 +755,7 @@
           <p:cNvPr id="2" name="标题 1">
             <a:extLst>
               <a:ext uri="{FF2B5EF4-FFF2-40B4-BE49-F238E27FC236}">
-                <a16:creationId xmlns:a16="http://schemas.microsoft.com/office/drawing/2014/main" id="{8D7FFA7F-4748-AC2B-08B2-AA379802DBEA}"/>
+                <a16:creationId xmlns:a16="http://schemas.microsoft.com/office/drawing/2014/main" id="{0CD64DF4-66C9-6C55-174D-59522F023331}"/>
               </a:ext>
             </a:extLst>
           </p:cNvPr>
@@ -783,7 +783,7 @@
           <p:cNvPr id="3" name="内容占位符 2">
             <a:extLst>
               <a:ext uri="{FF2B5EF4-FFF2-40B4-BE49-F238E27FC236}">
-                <a16:creationId xmlns:a16="http://schemas.microsoft.com/office/drawing/2014/main" id="{552860A7-02F5-A027-7CD7-CDBFF2277CA9}"/>
+                <a16:creationId xmlns:a16="http://schemas.microsoft.com/office/drawing/2014/main" id="{DEA38C12-9763-1E46-2F19-9D4464E33571}"/>
               </a:ext>
             </a:extLst>
           </p:cNvPr>
@@ -840,7 +840,7 @@
           <p:cNvPr id="4" name="日期占位符 3">
             <a:extLst>
               <a:ext uri="{FF2B5EF4-FFF2-40B4-BE49-F238E27FC236}">
-                <a16:creationId xmlns:a16="http://schemas.microsoft.com/office/drawing/2014/main" id="{F0C3D3A4-1BEF-2ADC-509D-B1001F08990F}"/>
+                <a16:creationId xmlns:a16="http://schemas.microsoft.com/office/drawing/2014/main" id="{50A5655A-89CB-74BE-6DC2-5C8C9496DD6F}"/>
               </a:ext>
             </a:extLst>
           </p:cNvPr>
@@ -856,7 +856,7 @@
           <a:bodyPr/>
           <a:lstStyle/>
           <a:p>
-            <a:fld id="{2EEE26E3-CDBE-4A7E-A33F-2DE5F2B49E56}" type="datetimeFigureOut">
+            <a:fld id="{D8BAE4EB-6E6D-44D1-B6EA-93863C5AE77F}" type="datetimeFigureOut">
               <a:rPr lang="zh-CN" altLang="en-US" smtClean="0"/>
               <a:t>2024/3/10</a:t>
             </a:fld>
@@ -869,7 +869,7 @@
           <p:cNvPr id="5" name="页脚占位符 4">
             <a:extLst>
               <a:ext uri="{FF2B5EF4-FFF2-40B4-BE49-F238E27FC236}">
-                <a16:creationId xmlns:a16="http://schemas.microsoft.com/office/drawing/2014/main" id="{A7CD2F8A-2DDE-5DE2-CAE6-74A81D5DCCCE}"/>
+                <a16:creationId xmlns:a16="http://schemas.microsoft.com/office/drawing/2014/main" id="{33F0389C-9550-6E9E-2945-A8E8240EBC42}"/>
               </a:ext>
             </a:extLst>
           </p:cNvPr>
@@ -894,7 +894,7 @@
           <p:cNvPr id="6" name="灯片编号占位符 5">
             <a:extLst>
               <a:ext uri="{FF2B5EF4-FFF2-40B4-BE49-F238E27FC236}">
-                <a16:creationId xmlns:a16="http://schemas.microsoft.com/office/drawing/2014/main" id="{E364F602-B6C1-5E44-7EBF-57A02BF826D7}"/>
+                <a16:creationId xmlns:a16="http://schemas.microsoft.com/office/drawing/2014/main" id="{786E02F0-7E6F-9264-CE2D-97E7952FBF70}"/>
               </a:ext>
             </a:extLst>
           </p:cNvPr>
@@ -910,7 +910,7 @@
           <a:bodyPr/>
           <a:lstStyle/>
           <a:p>
-            <a:fld id="{11A9916A-2A61-447A-9246-6EFF26B3AE4B}" type="slidenum">
+            <a:fld id="{4E68B19B-3B1A-4166-AC28-CFBB4E3E65AA}" type="slidenum">
               <a:rPr lang="zh-CN" altLang="en-US" smtClean="0"/>
               <a:t>‹#›</a:t>
             </a:fld>
@@ -921,7 +921,7 @@
     </p:spTree>
     <p:extLst>
       <p:ext uri="{BB962C8B-B14F-4D97-AF65-F5344CB8AC3E}">
-        <p14:creationId xmlns:p14="http://schemas.microsoft.com/office/powerpoint/2010/main" val="2304780261"/>
+        <p14:creationId xmlns:p14="http://schemas.microsoft.com/office/powerpoint/2010/main" val="4280625285"/>
       </p:ext>
     </p:extLst>
   </p:cSld>
@@ -953,7 +953,7 @@
           <p:cNvPr id="2" name="标题 1">
             <a:extLst>
               <a:ext uri="{FF2B5EF4-FFF2-40B4-BE49-F238E27FC236}">
-                <a16:creationId xmlns:a16="http://schemas.microsoft.com/office/drawing/2014/main" id="{509D5D72-EF53-D72A-6F22-9E8B4C03DA24}"/>
+                <a16:creationId xmlns:a16="http://schemas.microsoft.com/office/drawing/2014/main" id="{9DEB8005-C1DB-BEA5-12EA-2FCDF907EB7B}"/>
               </a:ext>
             </a:extLst>
           </p:cNvPr>
@@ -990,7 +990,7 @@
           <p:cNvPr id="3" name="文本占位符 2">
             <a:extLst>
               <a:ext uri="{FF2B5EF4-FFF2-40B4-BE49-F238E27FC236}">
-                <a16:creationId xmlns:a16="http://schemas.microsoft.com/office/drawing/2014/main" id="{5760B93B-DF6C-28C0-5E45-ADC319EB0C36}"/>
+                <a16:creationId xmlns:a16="http://schemas.microsoft.com/office/drawing/2014/main" id="{71C7C078-EEBA-2859-3650-385B30FD6719}"/>
               </a:ext>
             </a:extLst>
           </p:cNvPr>
@@ -1115,7 +1115,7 @@
           <p:cNvPr id="4" name="日期占位符 3">
             <a:extLst>
               <a:ext uri="{FF2B5EF4-FFF2-40B4-BE49-F238E27FC236}">
-                <a16:creationId xmlns:a16="http://schemas.microsoft.com/office/drawing/2014/main" id="{E0A6B76D-32DF-AB86-D7F4-0EA9C53B98AA}"/>
+                <a16:creationId xmlns:a16="http://schemas.microsoft.com/office/drawing/2014/main" id="{F52AB125-E2DA-E30E-45C6-7D37E7FFA9A4}"/>
               </a:ext>
             </a:extLst>
           </p:cNvPr>
@@ -1131,7 +1131,7 @@
           <a:bodyPr/>
           <a:lstStyle/>
           <a:p>
-            <a:fld id="{2EEE26E3-CDBE-4A7E-A33F-2DE5F2B49E56}" type="datetimeFigureOut">
+            <a:fld id="{D8BAE4EB-6E6D-44D1-B6EA-93863C5AE77F}" type="datetimeFigureOut">
               <a:rPr lang="zh-CN" altLang="en-US" smtClean="0"/>
               <a:t>2024/3/10</a:t>
             </a:fld>
@@ -1144,7 +1144,7 @@
           <p:cNvPr id="5" name="页脚占位符 4">
             <a:extLst>
               <a:ext uri="{FF2B5EF4-FFF2-40B4-BE49-F238E27FC236}">
-                <a16:creationId xmlns:a16="http://schemas.microsoft.com/office/drawing/2014/main" id="{D4058E97-B31F-B086-98C6-576745F358D6}"/>
+                <a16:creationId xmlns:a16="http://schemas.microsoft.com/office/drawing/2014/main" id="{6946B64C-4BB7-DA97-A61B-49EA7A70B1E6}"/>
               </a:ext>
             </a:extLst>
           </p:cNvPr>
@@ -1169,7 +1169,7 @@
           <p:cNvPr id="6" name="灯片编号占位符 5">
             <a:extLst>
               <a:ext uri="{FF2B5EF4-FFF2-40B4-BE49-F238E27FC236}">
-                <a16:creationId xmlns:a16="http://schemas.microsoft.com/office/drawing/2014/main" id="{6B58ADD4-F680-B71A-C200-14BA74DA6466}"/>
+                <a16:creationId xmlns:a16="http://schemas.microsoft.com/office/drawing/2014/main" id="{0D43A5C1-4710-99BC-E22C-66820C20C649}"/>
               </a:ext>
             </a:extLst>
           </p:cNvPr>
@@ -1185,7 +1185,7 @@
           <a:bodyPr/>
           <a:lstStyle/>
           <a:p>
-            <a:fld id="{11A9916A-2A61-447A-9246-6EFF26B3AE4B}" type="slidenum">
+            <a:fld id="{4E68B19B-3B1A-4166-AC28-CFBB4E3E65AA}" type="slidenum">
               <a:rPr lang="zh-CN" altLang="en-US" smtClean="0"/>
               <a:t>‹#›</a:t>
             </a:fld>
@@ -1196,7 +1196,7 @@
     </p:spTree>
     <p:extLst>
       <p:ext uri="{BB962C8B-B14F-4D97-AF65-F5344CB8AC3E}">
-        <p14:creationId xmlns:p14="http://schemas.microsoft.com/office/powerpoint/2010/main" val="2259349930"/>
+        <p14:creationId xmlns:p14="http://schemas.microsoft.com/office/powerpoint/2010/main" val="699126037"/>
       </p:ext>
     </p:extLst>
   </p:cSld>
@@ -1228,7 +1228,7 @@
           <p:cNvPr id="2" name="标题 1">
             <a:extLst>
               <a:ext uri="{FF2B5EF4-FFF2-40B4-BE49-F238E27FC236}">
-                <a16:creationId xmlns:a16="http://schemas.microsoft.com/office/drawing/2014/main" id="{C9920BB0-0DA6-24A2-BBB8-EC260126F30B}"/>
+                <a16:creationId xmlns:a16="http://schemas.microsoft.com/office/drawing/2014/main" id="{7C175F84-B512-0692-FEFF-E6DDA77A1AE4}"/>
               </a:ext>
             </a:extLst>
           </p:cNvPr>
@@ -1256,7 +1256,7 @@
           <p:cNvPr id="3" name="内容占位符 2">
             <a:extLst>
               <a:ext uri="{FF2B5EF4-FFF2-40B4-BE49-F238E27FC236}">
-                <a16:creationId xmlns:a16="http://schemas.microsoft.com/office/drawing/2014/main" id="{E1A7A9B8-179D-4D80-5BE7-D830354CF6ED}"/>
+                <a16:creationId xmlns:a16="http://schemas.microsoft.com/office/drawing/2014/main" id="{570B490E-1BF9-544F-6E5C-9CD6C5574D83}"/>
               </a:ext>
             </a:extLst>
           </p:cNvPr>
@@ -1318,7 +1318,7 @@
           <p:cNvPr id="4" name="内容占位符 3">
             <a:extLst>
               <a:ext uri="{FF2B5EF4-FFF2-40B4-BE49-F238E27FC236}">
-                <a16:creationId xmlns:a16="http://schemas.microsoft.com/office/drawing/2014/main" id="{F26F5B76-610E-6621-87FE-D744C4FF9084}"/>
+                <a16:creationId xmlns:a16="http://schemas.microsoft.com/office/drawing/2014/main" id="{FFF4008F-BF27-2E7A-3122-19C717885664}"/>
               </a:ext>
             </a:extLst>
           </p:cNvPr>
@@ -1380,7 +1380,7 @@
           <p:cNvPr id="5" name="日期占位符 4">
             <a:extLst>
               <a:ext uri="{FF2B5EF4-FFF2-40B4-BE49-F238E27FC236}">
-                <a16:creationId xmlns:a16="http://schemas.microsoft.com/office/drawing/2014/main" id="{D6711FB6-493F-8BD3-AB12-3D4DD9DF19EA}"/>
+                <a16:creationId xmlns:a16="http://schemas.microsoft.com/office/drawing/2014/main" id="{ECF013EE-FD1D-2A0B-3978-710ABB7BCB7C}"/>
               </a:ext>
             </a:extLst>
           </p:cNvPr>
@@ -1396,7 +1396,7 @@
           <a:bodyPr/>
           <a:lstStyle/>
           <a:p>
-            <a:fld id="{2EEE26E3-CDBE-4A7E-A33F-2DE5F2B49E56}" type="datetimeFigureOut">
+            <a:fld id="{D8BAE4EB-6E6D-44D1-B6EA-93863C5AE77F}" type="datetimeFigureOut">
               <a:rPr lang="zh-CN" altLang="en-US" smtClean="0"/>
               <a:t>2024/3/10</a:t>
             </a:fld>
@@ -1409,7 +1409,7 @@
           <p:cNvPr id="6" name="页脚占位符 5">
             <a:extLst>
               <a:ext uri="{FF2B5EF4-FFF2-40B4-BE49-F238E27FC236}">
-                <a16:creationId xmlns:a16="http://schemas.microsoft.com/office/drawing/2014/main" id="{8CE41E9E-44A6-9CC6-604B-97261C4C7F16}"/>
+                <a16:creationId xmlns:a16="http://schemas.microsoft.com/office/drawing/2014/main" id="{A3167A17-D0A4-22C2-C9EE-46C69B2D4908}"/>
               </a:ext>
             </a:extLst>
           </p:cNvPr>
@@ -1434,7 +1434,7 @@
           <p:cNvPr id="7" name="灯片编号占位符 6">
             <a:extLst>
               <a:ext uri="{FF2B5EF4-FFF2-40B4-BE49-F238E27FC236}">
-                <a16:creationId xmlns:a16="http://schemas.microsoft.com/office/drawing/2014/main" id="{984DC8DF-2D73-A4BC-18CB-F290CD2D0EF4}"/>
+                <a16:creationId xmlns:a16="http://schemas.microsoft.com/office/drawing/2014/main" id="{FFB75508-5C53-6EC7-A994-88B5FEBEEF7D}"/>
               </a:ext>
             </a:extLst>
           </p:cNvPr>
@@ -1450,7 +1450,7 @@
           <a:bodyPr/>
           <a:lstStyle/>
           <a:p>
-            <a:fld id="{11A9916A-2A61-447A-9246-6EFF26B3AE4B}" type="slidenum">
+            <a:fld id="{4E68B19B-3B1A-4166-AC28-CFBB4E3E65AA}" type="slidenum">
               <a:rPr lang="zh-CN" altLang="en-US" smtClean="0"/>
               <a:t>‹#›</a:t>
             </a:fld>
@@ -1461,7 +1461,7 @@
     </p:spTree>
     <p:extLst>
       <p:ext uri="{BB962C8B-B14F-4D97-AF65-F5344CB8AC3E}">
-        <p14:creationId xmlns:p14="http://schemas.microsoft.com/office/powerpoint/2010/main" val="1221199592"/>
+        <p14:creationId xmlns:p14="http://schemas.microsoft.com/office/powerpoint/2010/main" val="3902525854"/>
       </p:ext>
     </p:extLst>
   </p:cSld>
@@ -1493,7 +1493,7 @@
           <p:cNvPr id="2" name="标题 1">
             <a:extLst>
               <a:ext uri="{FF2B5EF4-FFF2-40B4-BE49-F238E27FC236}">
-                <a16:creationId xmlns:a16="http://schemas.microsoft.com/office/drawing/2014/main" id="{CE1673BD-D109-30B9-F5CA-04DD4D116E8B}"/>
+                <a16:creationId xmlns:a16="http://schemas.microsoft.com/office/drawing/2014/main" id="{DBE113B4-BDB1-F737-1128-285FCC596362}"/>
               </a:ext>
             </a:extLst>
           </p:cNvPr>
@@ -1526,7 +1526,7 @@
           <p:cNvPr id="3" name="文本占位符 2">
             <a:extLst>
               <a:ext uri="{FF2B5EF4-FFF2-40B4-BE49-F238E27FC236}">
-                <a16:creationId xmlns:a16="http://schemas.microsoft.com/office/drawing/2014/main" id="{F64EB43C-1A8D-608A-9108-1B584734DCDD}"/>
+                <a16:creationId xmlns:a16="http://schemas.microsoft.com/office/drawing/2014/main" id="{60469CB6-E148-D4B0-74C5-538B40890622}"/>
               </a:ext>
             </a:extLst>
           </p:cNvPr>
@@ -1597,7 +1597,7 @@
           <p:cNvPr id="4" name="内容占位符 3">
             <a:extLst>
               <a:ext uri="{FF2B5EF4-FFF2-40B4-BE49-F238E27FC236}">
-                <a16:creationId xmlns:a16="http://schemas.microsoft.com/office/drawing/2014/main" id="{81E69FA6-EC2D-9DC8-0434-238536398965}"/>
+                <a16:creationId xmlns:a16="http://schemas.microsoft.com/office/drawing/2014/main" id="{B5C33D8F-1E39-B64F-C8E8-0483C43865E8}"/>
               </a:ext>
             </a:extLst>
           </p:cNvPr>
@@ -1659,7 +1659,7 @@
           <p:cNvPr id="5" name="文本占位符 4">
             <a:extLst>
               <a:ext uri="{FF2B5EF4-FFF2-40B4-BE49-F238E27FC236}">
-                <a16:creationId xmlns:a16="http://schemas.microsoft.com/office/drawing/2014/main" id="{CA36DEAB-8A6B-9557-8280-211A90D121B0}"/>
+                <a16:creationId xmlns:a16="http://schemas.microsoft.com/office/drawing/2014/main" id="{4E505E0C-3C75-948D-75A3-A94824F1954C}"/>
               </a:ext>
             </a:extLst>
           </p:cNvPr>
@@ -1730,7 +1730,7 @@
           <p:cNvPr id="6" name="内容占位符 5">
             <a:extLst>
               <a:ext uri="{FF2B5EF4-FFF2-40B4-BE49-F238E27FC236}">
-                <a16:creationId xmlns:a16="http://schemas.microsoft.com/office/drawing/2014/main" id="{3B60FEAC-C485-D5E0-2D76-1D0B667072E1}"/>
+                <a16:creationId xmlns:a16="http://schemas.microsoft.com/office/drawing/2014/main" id="{EDB7EBD9-5205-614E-7153-E5AF78A3D807}"/>
               </a:ext>
             </a:extLst>
           </p:cNvPr>
@@ -1792,7 +1792,7 @@
           <p:cNvPr id="7" name="日期占位符 6">
             <a:extLst>
               <a:ext uri="{FF2B5EF4-FFF2-40B4-BE49-F238E27FC236}">
-                <a16:creationId xmlns:a16="http://schemas.microsoft.com/office/drawing/2014/main" id="{CAF2243B-58A1-217D-AC85-0EF7F9921CC8}"/>
+                <a16:creationId xmlns:a16="http://schemas.microsoft.com/office/drawing/2014/main" id="{B522345A-1079-E9DB-5070-40B7BFB6AF0D}"/>
               </a:ext>
             </a:extLst>
           </p:cNvPr>
@@ -1808,7 +1808,7 @@
           <a:bodyPr/>
           <a:lstStyle/>
           <a:p>
-            <a:fld id="{2EEE26E3-CDBE-4A7E-A33F-2DE5F2B49E56}" type="datetimeFigureOut">
+            <a:fld id="{D8BAE4EB-6E6D-44D1-B6EA-93863C5AE77F}" type="datetimeFigureOut">
               <a:rPr lang="zh-CN" altLang="en-US" smtClean="0"/>
               <a:t>2024/3/10</a:t>
             </a:fld>
@@ -1821,7 +1821,7 @@
           <p:cNvPr id="8" name="页脚占位符 7">
             <a:extLst>
               <a:ext uri="{FF2B5EF4-FFF2-40B4-BE49-F238E27FC236}">
-                <a16:creationId xmlns:a16="http://schemas.microsoft.com/office/drawing/2014/main" id="{09C6E1E3-39FD-AC91-1415-0B66E60B1686}"/>
+                <a16:creationId xmlns:a16="http://schemas.microsoft.com/office/drawing/2014/main" id="{239418A2-CB28-D956-A443-BFF6B998908F}"/>
               </a:ext>
             </a:extLst>
           </p:cNvPr>
@@ -1846,7 +1846,7 @@
           <p:cNvPr id="9" name="灯片编号占位符 8">
             <a:extLst>
               <a:ext uri="{FF2B5EF4-FFF2-40B4-BE49-F238E27FC236}">
-                <a16:creationId xmlns:a16="http://schemas.microsoft.com/office/drawing/2014/main" id="{5BCF8DCD-D910-3292-1AE7-F61C3699721F}"/>
+                <a16:creationId xmlns:a16="http://schemas.microsoft.com/office/drawing/2014/main" id="{43F3DD4F-669C-B03A-4251-5340916CFBD9}"/>
               </a:ext>
             </a:extLst>
           </p:cNvPr>
@@ -1862,7 +1862,7 @@
           <a:bodyPr/>
           <a:lstStyle/>
           <a:p>
-            <a:fld id="{11A9916A-2A61-447A-9246-6EFF26B3AE4B}" type="slidenum">
+            <a:fld id="{4E68B19B-3B1A-4166-AC28-CFBB4E3E65AA}" type="slidenum">
               <a:rPr lang="zh-CN" altLang="en-US" smtClean="0"/>
               <a:t>‹#›</a:t>
             </a:fld>
@@ -1873,7 +1873,7 @@
     </p:spTree>
     <p:extLst>
       <p:ext uri="{BB962C8B-B14F-4D97-AF65-F5344CB8AC3E}">
-        <p14:creationId xmlns:p14="http://schemas.microsoft.com/office/powerpoint/2010/main" val="2424372778"/>
+        <p14:creationId xmlns:p14="http://schemas.microsoft.com/office/powerpoint/2010/main" val="3390167978"/>
       </p:ext>
     </p:extLst>
   </p:cSld>
@@ -1905,7 +1905,7 @@
           <p:cNvPr id="2" name="标题 1">
             <a:extLst>
               <a:ext uri="{FF2B5EF4-FFF2-40B4-BE49-F238E27FC236}">
-                <a16:creationId xmlns:a16="http://schemas.microsoft.com/office/drawing/2014/main" id="{38281EB6-4164-E62D-F40A-2161314866E6}"/>
+                <a16:creationId xmlns:a16="http://schemas.microsoft.com/office/drawing/2014/main" id="{F6475702-1FEF-5522-F051-0748690370BA}"/>
               </a:ext>
             </a:extLst>
           </p:cNvPr>
@@ -1933,7 +1933,7 @@
           <p:cNvPr id="3" name="日期占位符 2">
             <a:extLst>
               <a:ext uri="{FF2B5EF4-FFF2-40B4-BE49-F238E27FC236}">
-                <a16:creationId xmlns:a16="http://schemas.microsoft.com/office/drawing/2014/main" id="{7A7531B5-89C4-A80B-4B06-F55B0DF7598A}"/>
+                <a16:creationId xmlns:a16="http://schemas.microsoft.com/office/drawing/2014/main" id="{7B311C0B-480F-7A0B-EB0C-3762ED88C956}"/>
               </a:ext>
             </a:extLst>
           </p:cNvPr>
@@ -1949,7 +1949,7 @@
           <a:bodyPr/>
           <a:lstStyle/>
           <a:p>
-            <a:fld id="{2EEE26E3-CDBE-4A7E-A33F-2DE5F2B49E56}" type="datetimeFigureOut">
+            <a:fld id="{D8BAE4EB-6E6D-44D1-B6EA-93863C5AE77F}" type="datetimeFigureOut">
               <a:rPr lang="zh-CN" altLang="en-US" smtClean="0"/>
               <a:t>2024/3/10</a:t>
             </a:fld>
@@ -1962,7 +1962,7 @@
           <p:cNvPr id="4" name="页脚占位符 3">
             <a:extLst>
               <a:ext uri="{FF2B5EF4-FFF2-40B4-BE49-F238E27FC236}">
-                <a16:creationId xmlns:a16="http://schemas.microsoft.com/office/drawing/2014/main" id="{FCB5AA22-69AF-C484-EF77-120CA385441A}"/>
+                <a16:creationId xmlns:a16="http://schemas.microsoft.com/office/drawing/2014/main" id="{E966029A-60B5-E0E6-113D-860F71EBE3A1}"/>
               </a:ext>
             </a:extLst>
           </p:cNvPr>
@@ -1987,7 +1987,7 @@
           <p:cNvPr id="5" name="灯片编号占位符 4">
             <a:extLst>
               <a:ext uri="{FF2B5EF4-FFF2-40B4-BE49-F238E27FC236}">
-                <a16:creationId xmlns:a16="http://schemas.microsoft.com/office/drawing/2014/main" id="{4F821C77-E1DE-D596-AAA3-743AE95ECD4A}"/>
+                <a16:creationId xmlns:a16="http://schemas.microsoft.com/office/drawing/2014/main" id="{A03EC458-76B5-683C-D653-F8529E7EBA2E}"/>
               </a:ext>
             </a:extLst>
           </p:cNvPr>
@@ -2003,7 +2003,7 @@
           <a:bodyPr/>
           <a:lstStyle/>
           <a:p>
-            <a:fld id="{11A9916A-2A61-447A-9246-6EFF26B3AE4B}" type="slidenum">
+            <a:fld id="{4E68B19B-3B1A-4166-AC28-CFBB4E3E65AA}" type="slidenum">
               <a:rPr lang="zh-CN" altLang="en-US" smtClean="0"/>
               <a:t>‹#›</a:t>
             </a:fld>
@@ -2014,7 +2014,7 @@
     </p:spTree>
     <p:extLst>
       <p:ext uri="{BB962C8B-B14F-4D97-AF65-F5344CB8AC3E}">
-        <p14:creationId xmlns:p14="http://schemas.microsoft.com/office/powerpoint/2010/main" val="3176113315"/>
+        <p14:creationId xmlns:p14="http://schemas.microsoft.com/office/powerpoint/2010/main" val="3308475245"/>
       </p:ext>
     </p:extLst>
   </p:cSld>
@@ -2046,7 +2046,7 @@
           <p:cNvPr id="2" name="日期占位符 1">
             <a:extLst>
               <a:ext uri="{FF2B5EF4-FFF2-40B4-BE49-F238E27FC236}">
-                <a16:creationId xmlns:a16="http://schemas.microsoft.com/office/drawing/2014/main" id="{AE3854F1-6807-1B65-6324-445DC019243A}"/>
+                <a16:creationId xmlns:a16="http://schemas.microsoft.com/office/drawing/2014/main" id="{BFBF6B36-3863-0422-598F-065F5685ED30}"/>
               </a:ext>
             </a:extLst>
           </p:cNvPr>
@@ -2062,7 +2062,7 @@
           <a:bodyPr/>
           <a:lstStyle/>
           <a:p>
-            <a:fld id="{2EEE26E3-CDBE-4A7E-A33F-2DE5F2B49E56}" type="datetimeFigureOut">
+            <a:fld id="{D8BAE4EB-6E6D-44D1-B6EA-93863C5AE77F}" type="datetimeFigureOut">
               <a:rPr lang="zh-CN" altLang="en-US" smtClean="0"/>
               <a:t>2024/3/10</a:t>
             </a:fld>
@@ -2075,7 +2075,7 @@
           <p:cNvPr id="3" name="页脚占位符 2">
             <a:extLst>
               <a:ext uri="{FF2B5EF4-FFF2-40B4-BE49-F238E27FC236}">
-                <a16:creationId xmlns:a16="http://schemas.microsoft.com/office/drawing/2014/main" id="{8B637C6A-FB21-A780-0015-46A9F01A99DB}"/>
+                <a16:creationId xmlns:a16="http://schemas.microsoft.com/office/drawing/2014/main" id="{040E1473-B670-46C8-DE32-6ADA96E634DC}"/>
               </a:ext>
             </a:extLst>
           </p:cNvPr>
@@ -2100,7 +2100,7 @@
           <p:cNvPr id="4" name="灯片编号占位符 3">
             <a:extLst>
               <a:ext uri="{FF2B5EF4-FFF2-40B4-BE49-F238E27FC236}">
-                <a16:creationId xmlns:a16="http://schemas.microsoft.com/office/drawing/2014/main" id="{C5FD11F9-A399-CDDF-F102-762729DEDCCF}"/>
+                <a16:creationId xmlns:a16="http://schemas.microsoft.com/office/drawing/2014/main" id="{67C12F14-9931-46D0-A827-CCB4BF1FFB3B}"/>
               </a:ext>
             </a:extLst>
           </p:cNvPr>
@@ -2116,7 +2116,7 @@
           <a:bodyPr/>
           <a:lstStyle/>
           <a:p>
-            <a:fld id="{11A9916A-2A61-447A-9246-6EFF26B3AE4B}" type="slidenum">
+            <a:fld id="{4E68B19B-3B1A-4166-AC28-CFBB4E3E65AA}" type="slidenum">
               <a:rPr lang="zh-CN" altLang="en-US" smtClean="0"/>
               <a:t>‹#›</a:t>
             </a:fld>
@@ -2127,7 +2127,7 @@
     </p:spTree>
     <p:extLst>
       <p:ext uri="{BB962C8B-B14F-4D97-AF65-F5344CB8AC3E}">
-        <p14:creationId xmlns:p14="http://schemas.microsoft.com/office/powerpoint/2010/main" val="1594856092"/>
+        <p14:creationId xmlns:p14="http://schemas.microsoft.com/office/powerpoint/2010/main" val="4189959926"/>
       </p:ext>
     </p:extLst>
   </p:cSld>
@@ -2159,7 +2159,7 @@
           <p:cNvPr id="2" name="标题 1">
             <a:extLst>
               <a:ext uri="{FF2B5EF4-FFF2-40B4-BE49-F238E27FC236}">
-                <a16:creationId xmlns:a16="http://schemas.microsoft.com/office/drawing/2014/main" id="{70BF105D-52EF-622B-2F38-681BED89F049}"/>
+                <a16:creationId xmlns:a16="http://schemas.microsoft.com/office/drawing/2014/main" id="{727F6D6A-798A-925A-70AA-039A9390759C}"/>
               </a:ext>
             </a:extLst>
           </p:cNvPr>
@@ -2196,7 +2196,7 @@
           <p:cNvPr id="3" name="内容占位符 2">
             <a:extLst>
               <a:ext uri="{FF2B5EF4-FFF2-40B4-BE49-F238E27FC236}">
-                <a16:creationId xmlns:a16="http://schemas.microsoft.com/office/drawing/2014/main" id="{67B25440-C425-D1FE-B1E0-25249D1E66D5}"/>
+                <a16:creationId xmlns:a16="http://schemas.microsoft.com/office/drawing/2014/main" id="{A4412C91-50EF-F906-0092-4D7224BEB37D}"/>
               </a:ext>
             </a:extLst>
           </p:cNvPr>
@@ -2286,7 +2286,7 @@
           <p:cNvPr id="4" name="文本占位符 3">
             <a:extLst>
               <a:ext uri="{FF2B5EF4-FFF2-40B4-BE49-F238E27FC236}">
-                <a16:creationId xmlns:a16="http://schemas.microsoft.com/office/drawing/2014/main" id="{470F6859-5602-55A6-ABF4-B78AF50F60C3}"/>
+                <a16:creationId xmlns:a16="http://schemas.microsoft.com/office/drawing/2014/main" id="{260543B4-E51E-2510-F232-BE02249F4E9A}"/>
               </a:ext>
             </a:extLst>
           </p:cNvPr>
@@ -2357,7 +2357,7 @@
           <p:cNvPr id="5" name="日期占位符 4">
             <a:extLst>
               <a:ext uri="{FF2B5EF4-FFF2-40B4-BE49-F238E27FC236}">
-                <a16:creationId xmlns:a16="http://schemas.microsoft.com/office/drawing/2014/main" id="{A8E784FD-BBDB-C264-2122-0BD67F2A1687}"/>
+                <a16:creationId xmlns:a16="http://schemas.microsoft.com/office/drawing/2014/main" id="{09A23B45-1464-7114-8F54-F4EE2B3EBEB5}"/>
               </a:ext>
             </a:extLst>
           </p:cNvPr>
@@ -2373,7 +2373,7 @@
           <a:bodyPr/>
           <a:lstStyle/>
           <a:p>
-            <a:fld id="{2EEE26E3-CDBE-4A7E-A33F-2DE5F2B49E56}" type="datetimeFigureOut">
+            <a:fld id="{D8BAE4EB-6E6D-44D1-B6EA-93863C5AE77F}" type="datetimeFigureOut">
               <a:rPr lang="zh-CN" altLang="en-US" smtClean="0"/>
               <a:t>2024/3/10</a:t>
             </a:fld>
@@ -2386,7 +2386,7 @@
           <p:cNvPr id="6" name="页脚占位符 5">
             <a:extLst>
               <a:ext uri="{FF2B5EF4-FFF2-40B4-BE49-F238E27FC236}">
-                <a16:creationId xmlns:a16="http://schemas.microsoft.com/office/drawing/2014/main" id="{F8EC74F4-568B-7B15-906D-68B5BF95A674}"/>
+                <a16:creationId xmlns:a16="http://schemas.microsoft.com/office/drawing/2014/main" id="{013EF5FA-CF68-C035-BC91-9B658A9BCEDD}"/>
               </a:ext>
             </a:extLst>
           </p:cNvPr>
@@ -2411,7 +2411,7 @@
           <p:cNvPr id="7" name="灯片编号占位符 6">
             <a:extLst>
               <a:ext uri="{FF2B5EF4-FFF2-40B4-BE49-F238E27FC236}">
-                <a16:creationId xmlns:a16="http://schemas.microsoft.com/office/drawing/2014/main" id="{B048F64C-9E7F-F430-1037-3FAD414A31EF}"/>
+                <a16:creationId xmlns:a16="http://schemas.microsoft.com/office/drawing/2014/main" id="{C9F68C86-72E9-425D-84B9-2DC01A76CCE4}"/>
               </a:ext>
             </a:extLst>
           </p:cNvPr>
@@ -2427,7 +2427,7 @@
           <a:bodyPr/>
           <a:lstStyle/>
           <a:p>
-            <a:fld id="{11A9916A-2A61-447A-9246-6EFF26B3AE4B}" type="slidenum">
+            <a:fld id="{4E68B19B-3B1A-4166-AC28-CFBB4E3E65AA}" type="slidenum">
               <a:rPr lang="zh-CN" altLang="en-US" smtClean="0"/>
               <a:t>‹#›</a:t>
             </a:fld>
@@ -2438,7 +2438,7 @@
     </p:spTree>
     <p:extLst>
       <p:ext uri="{BB962C8B-B14F-4D97-AF65-F5344CB8AC3E}">
-        <p14:creationId xmlns:p14="http://schemas.microsoft.com/office/powerpoint/2010/main" val="3127621379"/>
+        <p14:creationId xmlns:p14="http://schemas.microsoft.com/office/powerpoint/2010/main" val="3430782386"/>
       </p:ext>
     </p:extLst>
   </p:cSld>
@@ -2470,7 +2470,7 @@
           <p:cNvPr id="2" name="标题 1">
             <a:extLst>
               <a:ext uri="{FF2B5EF4-FFF2-40B4-BE49-F238E27FC236}">
-                <a16:creationId xmlns:a16="http://schemas.microsoft.com/office/drawing/2014/main" id="{D28A62EB-C0DB-F5EA-8C52-4F4C1D9F9A5D}"/>
+                <a16:creationId xmlns:a16="http://schemas.microsoft.com/office/drawing/2014/main" id="{FDB30D68-219F-4AFA-8670-0160B38B9B94}"/>
               </a:ext>
             </a:extLst>
           </p:cNvPr>
@@ -2507,7 +2507,7 @@
           <p:cNvPr id="3" name="图片占位符 2">
             <a:extLst>
               <a:ext uri="{FF2B5EF4-FFF2-40B4-BE49-F238E27FC236}">
-                <a16:creationId xmlns:a16="http://schemas.microsoft.com/office/drawing/2014/main" id="{9891D761-FAAF-A0CB-BF62-3B37B1CA59DA}"/>
+                <a16:creationId xmlns:a16="http://schemas.microsoft.com/office/drawing/2014/main" id="{B1EE0956-4D9C-6160-78E5-1F51C553EE33}"/>
               </a:ext>
             </a:extLst>
           </p:cNvPr>
@@ -2574,7 +2574,7 @@
           <p:cNvPr id="4" name="文本占位符 3">
             <a:extLst>
               <a:ext uri="{FF2B5EF4-FFF2-40B4-BE49-F238E27FC236}">
-                <a16:creationId xmlns:a16="http://schemas.microsoft.com/office/drawing/2014/main" id="{27ACFFBD-7485-745C-430C-95E861B8B492}"/>
+                <a16:creationId xmlns:a16="http://schemas.microsoft.com/office/drawing/2014/main" id="{3ABC66CC-9433-9320-0ECB-F3963F59046F}"/>
               </a:ext>
             </a:extLst>
           </p:cNvPr>
@@ -2645,7 +2645,7 @@
           <p:cNvPr id="5" name="日期占位符 4">
             <a:extLst>
               <a:ext uri="{FF2B5EF4-FFF2-40B4-BE49-F238E27FC236}">
-                <a16:creationId xmlns:a16="http://schemas.microsoft.com/office/drawing/2014/main" id="{42B9D029-8AE4-1F12-59D9-07B54103258C}"/>
+                <a16:creationId xmlns:a16="http://schemas.microsoft.com/office/drawing/2014/main" id="{C1FCB422-692C-66D7-8D89-AFDCDA9D0A4B}"/>
               </a:ext>
             </a:extLst>
           </p:cNvPr>
@@ -2661,7 +2661,7 @@
           <a:bodyPr/>
           <a:lstStyle/>
           <a:p>
-            <a:fld id="{2EEE26E3-CDBE-4A7E-A33F-2DE5F2B49E56}" type="datetimeFigureOut">
+            <a:fld id="{D8BAE4EB-6E6D-44D1-B6EA-93863C5AE77F}" type="datetimeFigureOut">
               <a:rPr lang="zh-CN" altLang="en-US" smtClean="0"/>
               <a:t>2024/3/10</a:t>
             </a:fld>
@@ -2674,7 +2674,7 @@
           <p:cNvPr id="6" name="页脚占位符 5">
             <a:extLst>
               <a:ext uri="{FF2B5EF4-FFF2-40B4-BE49-F238E27FC236}">
-                <a16:creationId xmlns:a16="http://schemas.microsoft.com/office/drawing/2014/main" id="{240EC7E3-DB1C-6DEC-C794-9801D5D18DA4}"/>
+                <a16:creationId xmlns:a16="http://schemas.microsoft.com/office/drawing/2014/main" id="{0F7A9A6A-2925-64E6-650B-D0B9CFE7F677}"/>
               </a:ext>
             </a:extLst>
           </p:cNvPr>
@@ -2699,7 +2699,7 @@
           <p:cNvPr id="7" name="灯片编号占位符 6">
             <a:extLst>
               <a:ext uri="{FF2B5EF4-FFF2-40B4-BE49-F238E27FC236}">
-                <a16:creationId xmlns:a16="http://schemas.microsoft.com/office/drawing/2014/main" id="{AD0995DF-6BCC-C3D9-016A-F8D2096373B8}"/>
+                <a16:creationId xmlns:a16="http://schemas.microsoft.com/office/drawing/2014/main" id="{EC2C791D-BA60-A35D-0306-B104368DE16D}"/>
               </a:ext>
             </a:extLst>
           </p:cNvPr>
@@ -2715,7 +2715,7 @@
           <a:bodyPr/>
           <a:lstStyle/>
           <a:p>
-            <a:fld id="{11A9916A-2A61-447A-9246-6EFF26B3AE4B}" type="slidenum">
+            <a:fld id="{4E68B19B-3B1A-4166-AC28-CFBB4E3E65AA}" type="slidenum">
               <a:rPr lang="zh-CN" altLang="en-US" smtClean="0"/>
               <a:t>‹#›</a:t>
             </a:fld>
@@ -2726,7 +2726,7 @@
     </p:spTree>
     <p:extLst>
       <p:ext uri="{BB962C8B-B14F-4D97-AF65-F5344CB8AC3E}">
-        <p14:creationId xmlns:p14="http://schemas.microsoft.com/office/powerpoint/2010/main" val="3019211847"/>
+        <p14:creationId xmlns:p14="http://schemas.microsoft.com/office/powerpoint/2010/main" val="2242824885"/>
       </p:ext>
     </p:extLst>
   </p:cSld>
@@ -2763,7 +2763,7 @@
           <p:cNvPr id="2" name="标题占位符 1">
             <a:extLst>
               <a:ext uri="{FF2B5EF4-FFF2-40B4-BE49-F238E27FC236}">
-                <a16:creationId xmlns:a16="http://schemas.microsoft.com/office/drawing/2014/main" id="{1EEAE053-E2F3-38C0-A39E-2EF1770AF29D}"/>
+                <a16:creationId xmlns:a16="http://schemas.microsoft.com/office/drawing/2014/main" id="{3011CAD0-142F-96CF-FB20-9CECED816A49}"/>
               </a:ext>
             </a:extLst>
           </p:cNvPr>
@@ -2801,7 +2801,7 @@
           <p:cNvPr id="3" name="文本占位符 2">
             <a:extLst>
               <a:ext uri="{FF2B5EF4-FFF2-40B4-BE49-F238E27FC236}">
-                <a16:creationId xmlns:a16="http://schemas.microsoft.com/office/drawing/2014/main" id="{67755DE0-D41C-EC65-176F-5CD4246B3641}"/>
+                <a16:creationId xmlns:a16="http://schemas.microsoft.com/office/drawing/2014/main" id="{1A0112F0-C080-B227-9FE0-861C06DB82B4}"/>
               </a:ext>
             </a:extLst>
           </p:cNvPr>
@@ -2868,7 +2868,7 @@
           <p:cNvPr id="4" name="日期占位符 3">
             <a:extLst>
               <a:ext uri="{FF2B5EF4-FFF2-40B4-BE49-F238E27FC236}">
-                <a16:creationId xmlns:a16="http://schemas.microsoft.com/office/drawing/2014/main" id="{EDC568E9-54AA-0B4D-2A54-EDFDD68A074E}"/>
+                <a16:creationId xmlns:a16="http://schemas.microsoft.com/office/drawing/2014/main" id="{9673F8A7-FEB6-9C43-1C56-22ACE1A65A4F}"/>
               </a:ext>
             </a:extLst>
           </p:cNvPr>
@@ -2902,7 +2902,7 @@
             </a:lvl1pPr>
           </a:lstStyle>
           <a:p>
-            <a:fld id="{2EEE26E3-CDBE-4A7E-A33F-2DE5F2B49E56}" type="datetimeFigureOut">
+            <a:fld id="{D8BAE4EB-6E6D-44D1-B6EA-93863C5AE77F}" type="datetimeFigureOut">
               <a:rPr lang="zh-CN" altLang="en-US" smtClean="0"/>
               <a:t>2024/3/10</a:t>
             </a:fld>
@@ -2915,7 +2915,7 @@
           <p:cNvPr id="5" name="页脚占位符 4">
             <a:extLst>
               <a:ext uri="{FF2B5EF4-FFF2-40B4-BE49-F238E27FC236}">
-                <a16:creationId xmlns:a16="http://schemas.microsoft.com/office/drawing/2014/main" id="{6EDBBFF9-85FD-FC18-25FD-6D71B65CBCDE}"/>
+                <a16:creationId xmlns:a16="http://schemas.microsoft.com/office/drawing/2014/main" id="{BF8AAD90-BDE2-0AB5-E5B5-6305397E5F91}"/>
               </a:ext>
             </a:extLst>
           </p:cNvPr>
@@ -2958,7 +2958,7 @@
           <p:cNvPr id="6" name="灯片编号占位符 5">
             <a:extLst>
               <a:ext uri="{FF2B5EF4-FFF2-40B4-BE49-F238E27FC236}">
-                <a16:creationId xmlns:a16="http://schemas.microsoft.com/office/drawing/2014/main" id="{6AC82EF1-E030-0331-5494-7304A14ECBC9}"/>
+                <a16:creationId xmlns:a16="http://schemas.microsoft.com/office/drawing/2014/main" id="{DA4BA39E-1440-44D8-1E98-D04737ECE33B}"/>
               </a:ext>
             </a:extLst>
           </p:cNvPr>
@@ -2992,7 +2992,7 @@
             </a:lvl1pPr>
           </a:lstStyle>
           <a:p>
-            <a:fld id="{11A9916A-2A61-447A-9246-6EFF26B3AE4B}" type="slidenum">
+            <a:fld id="{4E68B19B-3B1A-4166-AC28-CFBB4E3E65AA}" type="slidenum">
               <a:rPr lang="zh-CN" altLang="en-US" smtClean="0"/>
               <a:t>‹#›</a:t>
             </a:fld>
@@ -3003,7 +3003,7 @@
     </p:spTree>
     <p:extLst>
       <p:ext uri="{BB962C8B-B14F-4D97-AF65-F5344CB8AC3E}">
-        <p14:creationId xmlns:p14="http://schemas.microsoft.com/office/powerpoint/2010/main" val="1784677104"/>
+        <p14:creationId xmlns:p14="http://schemas.microsoft.com/office/powerpoint/2010/main" val="1689830679"/>
       </p:ext>
     </p:extLst>
   </p:cSld>
